--- a/fall13/slidesF13/prepcheck-sep27.pptx
+++ b/fall13/slidesF13/prepcheck-sep27.pptx
@@ -288,7 +288,7 @@
           <a:p>
             <a:fld id="{C08FE96D-0FC5-4DA4-ACDB-09680EAB646D}" type="datetimeFigureOut">
               <a:rPr lang="en-US" smtClean="0"/>
-              <a:t>9/26/2013</a:t>
+              <a:t>9/27/13</a:t>
             </a:fld>
             <a:endParaRPr lang="en-US"/>
           </a:p>
@@ -458,7 +458,7 @@
           <a:p>
             <a:fld id="{C08FE96D-0FC5-4DA4-ACDB-09680EAB646D}" type="datetimeFigureOut">
               <a:rPr lang="en-US" smtClean="0"/>
-              <a:t>9/26/2013</a:t>
+              <a:t>9/27/13</a:t>
             </a:fld>
             <a:endParaRPr lang="en-US"/>
           </a:p>
@@ -638,7 +638,7 @@
           <a:p>
             <a:fld id="{C08FE96D-0FC5-4DA4-ACDB-09680EAB646D}" type="datetimeFigureOut">
               <a:rPr lang="en-US" smtClean="0"/>
-              <a:t>9/26/2013</a:t>
+              <a:t>9/27/13</a:t>
             </a:fld>
             <a:endParaRPr lang="en-US"/>
           </a:p>
@@ -808,7 +808,7 @@
           <a:p>
             <a:fld id="{C08FE96D-0FC5-4DA4-ACDB-09680EAB646D}" type="datetimeFigureOut">
               <a:rPr lang="en-US" smtClean="0"/>
-              <a:t>9/26/2013</a:t>
+              <a:t>9/27/13</a:t>
             </a:fld>
             <a:endParaRPr lang="en-US"/>
           </a:p>
@@ -1054,7 +1054,7 @@
           <a:p>
             <a:fld id="{C08FE96D-0FC5-4DA4-ACDB-09680EAB646D}" type="datetimeFigureOut">
               <a:rPr lang="en-US" smtClean="0"/>
-              <a:t>9/26/2013</a:t>
+              <a:t>9/27/13</a:t>
             </a:fld>
             <a:endParaRPr lang="en-US"/>
           </a:p>
@@ -1342,7 +1342,7 @@
           <a:p>
             <a:fld id="{C08FE96D-0FC5-4DA4-ACDB-09680EAB646D}" type="datetimeFigureOut">
               <a:rPr lang="en-US" smtClean="0"/>
-              <a:t>9/26/2013</a:t>
+              <a:t>9/27/13</a:t>
             </a:fld>
             <a:endParaRPr lang="en-US"/>
           </a:p>
@@ -1764,7 +1764,7 @@
           <a:p>
             <a:fld id="{C08FE96D-0FC5-4DA4-ACDB-09680EAB646D}" type="datetimeFigureOut">
               <a:rPr lang="en-US" smtClean="0"/>
-              <a:t>9/26/2013</a:t>
+              <a:t>9/27/13</a:t>
             </a:fld>
             <a:endParaRPr lang="en-US"/>
           </a:p>
@@ -1882,7 +1882,7 @@
           <a:p>
             <a:fld id="{C08FE96D-0FC5-4DA4-ACDB-09680EAB646D}" type="datetimeFigureOut">
               <a:rPr lang="en-US" smtClean="0"/>
-              <a:t>9/26/2013</a:t>
+              <a:t>9/27/13</a:t>
             </a:fld>
             <a:endParaRPr lang="en-US"/>
           </a:p>
@@ -1977,7 +1977,7 @@
           <a:p>
             <a:fld id="{C08FE96D-0FC5-4DA4-ACDB-09680EAB646D}" type="datetimeFigureOut">
               <a:rPr lang="en-US" smtClean="0"/>
-              <a:t>9/26/2013</a:t>
+              <a:t>9/27/13</a:t>
             </a:fld>
             <a:endParaRPr lang="en-US"/>
           </a:p>
@@ -2254,7 +2254,7 @@
           <a:p>
             <a:fld id="{C08FE96D-0FC5-4DA4-ACDB-09680EAB646D}" type="datetimeFigureOut">
               <a:rPr lang="en-US" smtClean="0"/>
-              <a:t>9/26/2013</a:t>
+              <a:t>9/27/13</a:t>
             </a:fld>
             <a:endParaRPr lang="en-US"/>
           </a:p>
@@ -2507,7 +2507,7 @@
           <a:p>
             <a:fld id="{C08FE96D-0FC5-4DA4-ACDB-09680EAB646D}" type="datetimeFigureOut">
               <a:rPr lang="en-US" smtClean="0"/>
-              <a:t>9/26/2013</a:t>
+              <a:t>9/27/13</a:t>
             </a:fld>
             <a:endParaRPr lang="en-US"/>
           </a:p>
@@ -2720,7 +2720,7 @@
           <a:p>
             <a:fld id="{C08FE96D-0FC5-4DA4-ACDB-09680EAB646D}" type="datetimeFigureOut">
               <a:rPr lang="en-US" smtClean="0"/>
-              <a:t>9/26/2013</a:t>
+              <a:t>9/27/13</a:t>
             </a:fld>
             <a:endParaRPr lang="en-US"/>
           </a:p>
@@ -3081,6 +3081,17 @@
 <file path=ppt/slides/slide1.xml><?xml version="1.0" encoding="utf-8"?>
 <p:sld xmlns:a="http://schemas.openxmlformats.org/drawingml/2006/main" xmlns:r="http://schemas.openxmlformats.org/officeDocument/2006/relationships" xmlns:p="http://schemas.openxmlformats.org/presentationml/2006/main">
   <p:cSld>
+    <p:bg>
+      <p:bgPr>
+        <a:solidFill>
+          <a:schemeClr val="tx2">
+            <a:lumMod val="20000"/>
+            <a:lumOff val="80000"/>
+          </a:schemeClr>
+        </a:solidFill>
+        <a:effectLst/>
+      </p:bgPr>
+    </p:bg>
     <p:spTree>
       <p:nvGrpSpPr>
         <p:cNvPr id="1" name=""/>
@@ -3312,7 +3323,7 @@
         <p:spPr>
           <a:xfrm>
             <a:off x="526473" y="1295400"/>
-            <a:ext cx="8077200" cy="5016758"/>
+            <a:ext cx="8077200" cy="4401205"/>
           </a:xfrm>
           <a:prstGeom prst="rect">
             <a:avLst/>
@@ -3341,23 +3352,8 @@
                 </a:solidFill>
                 <a:latin typeface="Comic Sans MS" pitchFamily="66" charset="0"/>
               </a:rPr>
-              <a:t>Provide </a:t>
-            </a:r>
-            <a:r>
-              <a:rPr lang="en-US" sz="4000" dirty="0" smtClean="0">
-                <a:solidFill>
-                  <a:srgbClr val="000000"/>
-                </a:solidFill>
-                <a:latin typeface="Comic Sans MS" pitchFamily="66" charset="0"/>
-              </a:rPr>
-              <a:t>a simple recursive definition of the set	</a:t>
-            </a:r>
-            <a:endParaRPr lang="en-US" sz="4000" dirty="0" smtClean="0">
-              <a:solidFill>
-                <a:srgbClr val="000000"/>
-              </a:solidFill>
-              <a:latin typeface="Comic Sans MS" pitchFamily="66" charset="0"/>
-            </a:endParaRPr>
+              <a:t>Provide a simple recursive definition of the set	</a:t>
+            </a:r>
           </a:p>
           <a:p>
             <a:pPr marL="742950" indent="-742950" fontAlgn="base">
@@ -3427,7 +3423,25 @@
                 </a:solidFill>
                 <a:latin typeface="Comic Sans MS" pitchFamily="66" charset="0"/>
               </a:rPr>
-              <a:t>Is the definition of powers of 2 you gave ambiguous? Briefly explain.</a:t>
+              <a:t>Is </a:t>
+            </a:r>
+            <a:r>
+              <a:rPr lang="en-US" sz="4000" dirty="0" smtClean="0">
+                <a:solidFill>
+                  <a:srgbClr val="000000"/>
+                </a:solidFill>
+                <a:latin typeface="Comic Sans MS" pitchFamily="66" charset="0"/>
+              </a:rPr>
+              <a:t>your definition </a:t>
+            </a:r>
+            <a:r>
+              <a:rPr lang="en-US" sz="4000" dirty="0" smtClean="0">
+                <a:solidFill>
+                  <a:srgbClr val="000000"/>
+                </a:solidFill>
+                <a:latin typeface="Comic Sans MS" pitchFamily="66" charset="0"/>
+              </a:rPr>
+              <a:t>ambiguous? Briefly explain.</a:t>
             </a:r>
             <a:endParaRPr lang="en-US" sz="4000" dirty="0">
               <a:solidFill>
@@ -3460,7 +3474,7 @@
           <a:graphicData uri="http://schemas.openxmlformats.org/presentationml/2006/ole">
             <mc:AlternateContent xmlns:mc="http://schemas.openxmlformats.org/markup-compatibility/2006">
               <mc:Choice xmlns:v="urn:schemas-microsoft-com:vml" Requires="v">
-                <p:oleObj spid="_x0000_s1031" name="Equation" r:id="rId3" imgW="1170000" imgH="319680" progId="Equation.DSMT4">
+                <p:oleObj spid="_x0000_s1033" name="Equation" r:id="rId3" imgW="1170000" imgH="319680" progId="Equation.DSMT4">
                   <p:embed/>
                 </p:oleObj>
               </mc:Choice>
@@ -3501,14 +3515,14 @@
                         <a:noFill/>
                       </a:ln>
                       <a:extLst>
-                        <a:ext uri="{909E8E84-426E-40DD-AFC4-6F175D3DCCD1}">
+                        <a:ext uri="{909E8E84-426E-40dd-AFC4-6F175D3DCCD1}">
                           <a14:hiddenFill xmlns:a14="http://schemas.microsoft.com/office/drawing/2010/main">
                             <a:solidFill>
                               <a:srgbClr val="FFFFFF"/>
                             </a:solidFill>
                           </a14:hiddenFill>
                         </a:ext>
-                        <a:ext uri="{91240B29-F687-4F45-9708-019B960494DF}">
+                        <a:ext uri="{91240B29-F687-4f45-9708-019B960494DF}">
                           <a14:hiddenLine xmlns:a14="http://schemas.microsoft.com/office/drawing/2010/main" w="9525">
                             <a:solidFill>
                               <a:srgbClr val="000000"/>
@@ -3537,6 +3551,13 @@
   <p:clrMapOvr>
     <a:masterClrMapping/>
   </p:clrMapOvr>
+  <p:timing>
+    <p:tnLst>
+      <p:par>
+        <p:cTn xmlns:p14="http://schemas.microsoft.com/office/powerpoint/2010/main" id="1" dur="indefinite" restart="never" nodeType="tmRoot"/>
+      </p:par>
+    </p:tnLst>
+  </p:timing>
 </p:sld>
 </file>
 
